--- a/Final Year Project/Architecture Application Presentation.pptx
+++ b/Final Year Project/Architecture Application Presentation.pptx
@@ -7,6 +7,9 @@
   <p:sldIdLst>
     <p:sldId id="256" r:id="rId2"/>
     <p:sldId id="257" r:id="rId3"/>
+    <p:sldId id="258" r:id="rId4"/>
+    <p:sldId id="259" r:id="rId5"/>
+    <p:sldId id="260" r:id="rId6"/>
   </p:sldIdLst>
   <p:sldSz cx="12192000" cy="6858000"/>
   <p:notesSz cx="6858000" cy="9144000"/>
@@ -105,6 +108,11 @@
       </a:defRPr>
     </a:lvl9pPr>
   </p:defaultTextStyle>
+  <p:extLst>
+    <p:ext uri="{EFAFB233-063F-42B5-8137-9DF3F51BA10A}">
+      <p15:sldGuideLst xmlns:p15="http://schemas.microsoft.com/office/powerpoint/2012/main"/>
+    </p:ext>
+  </p:extLst>
 </p:presentation>
 </file>
 
@@ -150,7 +158,7 @@
           </a:lstStyle>
           <a:p>
             <a:r>
-              <a:rPr lang="en-US" smtClean="0"/>
+              <a:rPr lang="en-US"/>
               <a:t>Click to edit Master title style</a:t>
             </a:r>
             <a:endParaRPr lang="en-GB"/>
@@ -215,7 +223,7 @@
           </a:lstStyle>
           <a:p>
             <a:r>
-              <a:rPr lang="en-US" smtClean="0"/>
+              <a:rPr lang="en-US"/>
               <a:t>Click to edit Master subtitle style</a:t>
             </a:r>
             <a:endParaRPr lang="en-GB"/>
@@ -239,7 +247,7 @@
           <a:p>
             <a:fld id="{8B606550-C541-449C-947B-29537B471591}" type="datetimeFigureOut">
               <a:rPr lang="en-GB" smtClean="0"/>
-              <a:t>02/03/2024</a:t>
+              <a:t>03/03/2024</a:t>
             </a:fld>
             <a:endParaRPr lang="en-GB"/>
           </a:p>
@@ -333,7 +341,7 @@
           <a:lstStyle/>
           <a:p>
             <a:r>
-              <a:rPr lang="en-US" smtClean="0"/>
+              <a:rPr lang="en-US"/>
               <a:t>Click to edit Master title style</a:t>
             </a:r>
             <a:endParaRPr lang="en-GB"/>
@@ -357,35 +365,35 @@
           <a:p>
             <a:pPr lvl="0"/>
             <a:r>
-              <a:rPr lang="en-US" smtClean="0"/>
+              <a:rPr lang="en-US"/>
               <a:t>Edit Master text styles</a:t>
             </a:r>
           </a:p>
           <a:p>
             <a:pPr lvl="1"/>
             <a:r>
-              <a:rPr lang="en-US" smtClean="0"/>
+              <a:rPr lang="en-US"/>
               <a:t>Second level</a:t>
             </a:r>
           </a:p>
           <a:p>
             <a:pPr lvl="2"/>
             <a:r>
-              <a:rPr lang="en-US" smtClean="0"/>
+              <a:rPr lang="en-US"/>
               <a:t>Third level</a:t>
             </a:r>
           </a:p>
           <a:p>
             <a:pPr lvl="3"/>
             <a:r>
-              <a:rPr lang="en-US" smtClean="0"/>
+              <a:rPr lang="en-US"/>
               <a:t>Fourth level</a:t>
             </a:r>
           </a:p>
           <a:p>
             <a:pPr lvl="4"/>
             <a:r>
-              <a:rPr lang="en-US" smtClean="0"/>
+              <a:rPr lang="en-US"/>
               <a:t>Fifth level</a:t>
             </a:r>
             <a:endParaRPr lang="en-GB"/>
@@ -409,7 +417,7 @@
           <a:p>
             <a:fld id="{8B606550-C541-449C-947B-29537B471591}" type="datetimeFigureOut">
               <a:rPr lang="en-GB" smtClean="0"/>
-              <a:t>02/03/2024</a:t>
+              <a:t>03/03/2024</a:t>
             </a:fld>
             <a:endParaRPr lang="en-GB"/>
           </a:p>
@@ -508,7 +516,7 @@
           <a:lstStyle/>
           <a:p>
             <a:r>
-              <a:rPr lang="en-US" smtClean="0"/>
+              <a:rPr lang="en-US"/>
               <a:t>Click to edit Master title style</a:t>
             </a:r>
             <a:endParaRPr lang="en-GB"/>
@@ -537,35 +545,35 @@
           <a:p>
             <a:pPr lvl="0"/>
             <a:r>
-              <a:rPr lang="en-US" smtClean="0"/>
+              <a:rPr lang="en-US"/>
               <a:t>Edit Master text styles</a:t>
             </a:r>
           </a:p>
           <a:p>
             <a:pPr lvl="1"/>
             <a:r>
-              <a:rPr lang="en-US" smtClean="0"/>
+              <a:rPr lang="en-US"/>
               <a:t>Second level</a:t>
             </a:r>
           </a:p>
           <a:p>
             <a:pPr lvl="2"/>
             <a:r>
-              <a:rPr lang="en-US" smtClean="0"/>
+              <a:rPr lang="en-US"/>
               <a:t>Third level</a:t>
             </a:r>
           </a:p>
           <a:p>
             <a:pPr lvl="3"/>
             <a:r>
-              <a:rPr lang="en-US" smtClean="0"/>
+              <a:rPr lang="en-US"/>
               <a:t>Fourth level</a:t>
             </a:r>
           </a:p>
           <a:p>
             <a:pPr lvl="4"/>
             <a:r>
-              <a:rPr lang="en-US" smtClean="0"/>
+              <a:rPr lang="en-US"/>
               <a:t>Fifth level</a:t>
             </a:r>
             <a:endParaRPr lang="en-GB"/>
@@ -589,7 +597,7 @@
           <a:p>
             <a:fld id="{8B606550-C541-449C-947B-29537B471591}" type="datetimeFigureOut">
               <a:rPr lang="en-GB" smtClean="0"/>
-              <a:t>02/03/2024</a:t>
+              <a:t>03/03/2024</a:t>
             </a:fld>
             <a:endParaRPr lang="en-GB"/>
           </a:p>
@@ -683,7 +691,7 @@
           <a:lstStyle/>
           <a:p>
             <a:r>
-              <a:rPr lang="en-US" smtClean="0"/>
+              <a:rPr lang="en-US"/>
               <a:t>Click to edit Master title style</a:t>
             </a:r>
             <a:endParaRPr lang="en-GB"/>
@@ -707,35 +715,35 @@
           <a:p>
             <a:pPr lvl="0"/>
             <a:r>
-              <a:rPr lang="en-US" smtClean="0"/>
+              <a:rPr lang="en-US"/>
               <a:t>Edit Master text styles</a:t>
             </a:r>
           </a:p>
           <a:p>
             <a:pPr lvl="1"/>
             <a:r>
-              <a:rPr lang="en-US" smtClean="0"/>
+              <a:rPr lang="en-US"/>
               <a:t>Second level</a:t>
             </a:r>
           </a:p>
           <a:p>
             <a:pPr lvl="2"/>
             <a:r>
-              <a:rPr lang="en-US" smtClean="0"/>
+              <a:rPr lang="en-US"/>
               <a:t>Third level</a:t>
             </a:r>
           </a:p>
           <a:p>
             <a:pPr lvl="3"/>
             <a:r>
-              <a:rPr lang="en-US" smtClean="0"/>
+              <a:rPr lang="en-US"/>
               <a:t>Fourth level</a:t>
             </a:r>
           </a:p>
           <a:p>
             <a:pPr lvl="4"/>
             <a:r>
-              <a:rPr lang="en-US" smtClean="0"/>
+              <a:rPr lang="en-US"/>
               <a:t>Fifth level</a:t>
             </a:r>
             <a:endParaRPr lang="en-GB"/>
@@ -759,7 +767,7 @@
           <a:p>
             <a:fld id="{8B606550-C541-449C-947B-29537B471591}" type="datetimeFigureOut">
               <a:rPr lang="en-GB" smtClean="0"/>
-              <a:t>02/03/2024</a:t>
+              <a:t>03/03/2024</a:t>
             </a:fld>
             <a:endParaRPr lang="en-GB"/>
           </a:p>
@@ -862,7 +870,7 @@
           </a:lstStyle>
           <a:p>
             <a:r>
-              <a:rPr lang="en-US" smtClean="0"/>
+              <a:rPr lang="en-US"/>
               <a:t>Click to edit Master title style</a:t>
             </a:r>
             <a:endParaRPr lang="en-GB"/>
@@ -982,7 +990,7 @@
           <a:p>
             <a:pPr lvl="0"/>
             <a:r>
-              <a:rPr lang="en-US" smtClean="0"/>
+              <a:rPr lang="en-US"/>
               <a:t>Edit Master text styles</a:t>
             </a:r>
           </a:p>
@@ -1005,7 +1013,7 @@
           <a:p>
             <a:fld id="{8B606550-C541-449C-947B-29537B471591}" type="datetimeFigureOut">
               <a:rPr lang="en-GB" smtClean="0"/>
-              <a:t>02/03/2024</a:t>
+              <a:t>03/03/2024</a:t>
             </a:fld>
             <a:endParaRPr lang="en-GB"/>
           </a:p>
@@ -1099,7 +1107,7 @@
           <a:lstStyle/>
           <a:p>
             <a:r>
-              <a:rPr lang="en-US" smtClean="0"/>
+              <a:rPr lang="en-US"/>
               <a:t>Click to edit Master title style</a:t>
             </a:r>
             <a:endParaRPr lang="en-GB"/>
@@ -1128,35 +1136,35 @@
           <a:p>
             <a:pPr lvl="0"/>
             <a:r>
-              <a:rPr lang="en-US" smtClean="0"/>
+              <a:rPr lang="en-US"/>
               <a:t>Edit Master text styles</a:t>
             </a:r>
           </a:p>
           <a:p>
             <a:pPr lvl="1"/>
             <a:r>
-              <a:rPr lang="en-US" smtClean="0"/>
+              <a:rPr lang="en-US"/>
               <a:t>Second level</a:t>
             </a:r>
           </a:p>
           <a:p>
             <a:pPr lvl="2"/>
             <a:r>
-              <a:rPr lang="en-US" smtClean="0"/>
+              <a:rPr lang="en-US"/>
               <a:t>Third level</a:t>
             </a:r>
           </a:p>
           <a:p>
             <a:pPr lvl="3"/>
             <a:r>
-              <a:rPr lang="en-US" smtClean="0"/>
+              <a:rPr lang="en-US"/>
               <a:t>Fourth level</a:t>
             </a:r>
           </a:p>
           <a:p>
             <a:pPr lvl="4"/>
             <a:r>
-              <a:rPr lang="en-US" smtClean="0"/>
+              <a:rPr lang="en-US"/>
               <a:t>Fifth level</a:t>
             </a:r>
             <a:endParaRPr lang="en-GB"/>
@@ -1185,35 +1193,35 @@
           <a:p>
             <a:pPr lvl="0"/>
             <a:r>
-              <a:rPr lang="en-US" smtClean="0"/>
+              <a:rPr lang="en-US"/>
               <a:t>Edit Master text styles</a:t>
             </a:r>
           </a:p>
           <a:p>
             <a:pPr lvl="1"/>
             <a:r>
-              <a:rPr lang="en-US" smtClean="0"/>
+              <a:rPr lang="en-US"/>
               <a:t>Second level</a:t>
             </a:r>
           </a:p>
           <a:p>
             <a:pPr lvl="2"/>
             <a:r>
-              <a:rPr lang="en-US" smtClean="0"/>
+              <a:rPr lang="en-US"/>
               <a:t>Third level</a:t>
             </a:r>
           </a:p>
           <a:p>
             <a:pPr lvl="3"/>
             <a:r>
-              <a:rPr lang="en-US" smtClean="0"/>
+              <a:rPr lang="en-US"/>
               <a:t>Fourth level</a:t>
             </a:r>
           </a:p>
           <a:p>
             <a:pPr lvl="4"/>
             <a:r>
-              <a:rPr lang="en-US" smtClean="0"/>
+              <a:rPr lang="en-US"/>
               <a:t>Fifth level</a:t>
             </a:r>
             <a:endParaRPr lang="en-GB"/>
@@ -1237,7 +1245,7 @@
           <a:p>
             <a:fld id="{8B606550-C541-449C-947B-29537B471591}" type="datetimeFigureOut">
               <a:rPr lang="en-GB" smtClean="0"/>
-              <a:t>02/03/2024</a:t>
+              <a:t>03/03/2024</a:t>
             </a:fld>
             <a:endParaRPr lang="en-GB"/>
           </a:p>
@@ -1336,7 +1344,7 @@
           <a:lstStyle/>
           <a:p>
             <a:r>
-              <a:rPr lang="en-US" smtClean="0"/>
+              <a:rPr lang="en-US"/>
               <a:t>Click to edit Master title style</a:t>
             </a:r>
             <a:endParaRPr lang="en-GB"/>
@@ -1402,7 +1410,7 @@
           <a:p>
             <a:pPr lvl="0"/>
             <a:r>
-              <a:rPr lang="en-US" smtClean="0"/>
+              <a:rPr lang="en-US"/>
               <a:t>Edit Master text styles</a:t>
             </a:r>
           </a:p>
@@ -1430,35 +1438,35 @@
           <a:p>
             <a:pPr lvl="0"/>
             <a:r>
-              <a:rPr lang="en-US" smtClean="0"/>
+              <a:rPr lang="en-US"/>
               <a:t>Edit Master text styles</a:t>
             </a:r>
           </a:p>
           <a:p>
             <a:pPr lvl="1"/>
             <a:r>
-              <a:rPr lang="en-US" smtClean="0"/>
+              <a:rPr lang="en-US"/>
               <a:t>Second level</a:t>
             </a:r>
           </a:p>
           <a:p>
             <a:pPr lvl="2"/>
             <a:r>
-              <a:rPr lang="en-US" smtClean="0"/>
+              <a:rPr lang="en-US"/>
               <a:t>Third level</a:t>
             </a:r>
           </a:p>
           <a:p>
             <a:pPr lvl="3"/>
             <a:r>
-              <a:rPr lang="en-US" smtClean="0"/>
+              <a:rPr lang="en-US"/>
               <a:t>Fourth level</a:t>
             </a:r>
           </a:p>
           <a:p>
             <a:pPr lvl="4"/>
             <a:r>
-              <a:rPr lang="en-US" smtClean="0"/>
+              <a:rPr lang="en-US"/>
               <a:t>Fifth level</a:t>
             </a:r>
             <a:endParaRPr lang="en-GB"/>
@@ -1524,7 +1532,7 @@
           <a:p>
             <a:pPr lvl="0"/>
             <a:r>
-              <a:rPr lang="en-US" smtClean="0"/>
+              <a:rPr lang="en-US"/>
               <a:t>Edit Master text styles</a:t>
             </a:r>
           </a:p>
@@ -1552,35 +1560,35 @@
           <a:p>
             <a:pPr lvl="0"/>
             <a:r>
-              <a:rPr lang="en-US" smtClean="0"/>
+              <a:rPr lang="en-US"/>
               <a:t>Edit Master text styles</a:t>
             </a:r>
           </a:p>
           <a:p>
             <a:pPr lvl="1"/>
             <a:r>
-              <a:rPr lang="en-US" smtClean="0"/>
+              <a:rPr lang="en-US"/>
               <a:t>Second level</a:t>
             </a:r>
           </a:p>
           <a:p>
             <a:pPr lvl="2"/>
             <a:r>
-              <a:rPr lang="en-US" smtClean="0"/>
+              <a:rPr lang="en-US"/>
               <a:t>Third level</a:t>
             </a:r>
           </a:p>
           <a:p>
             <a:pPr lvl="3"/>
             <a:r>
-              <a:rPr lang="en-US" smtClean="0"/>
+              <a:rPr lang="en-US"/>
               <a:t>Fourth level</a:t>
             </a:r>
           </a:p>
           <a:p>
             <a:pPr lvl="4"/>
             <a:r>
-              <a:rPr lang="en-US" smtClean="0"/>
+              <a:rPr lang="en-US"/>
               <a:t>Fifth level</a:t>
             </a:r>
             <a:endParaRPr lang="en-GB"/>
@@ -1604,7 +1612,7 @@
           <a:p>
             <a:fld id="{8B606550-C541-449C-947B-29537B471591}" type="datetimeFigureOut">
               <a:rPr lang="en-GB" smtClean="0"/>
-              <a:t>02/03/2024</a:t>
+              <a:t>03/03/2024</a:t>
             </a:fld>
             <a:endParaRPr lang="en-GB"/>
           </a:p>
@@ -1698,7 +1706,7 @@
           <a:lstStyle/>
           <a:p>
             <a:r>
-              <a:rPr lang="en-US" smtClean="0"/>
+              <a:rPr lang="en-US"/>
               <a:t>Click to edit Master title style</a:t>
             </a:r>
             <a:endParaRPr lang="en-GB"/>
@@ -1722,7 +1730,7 @@
           <a:p>
             <a:fld id="{8B606550-C541-449C-947B-29537B471591}" type="datetimeFigureOut">
               <a:rPr lang="en-GB" smtClean="0"/>
-              <a:t>02/03/2024</a:t>
+              <a:t>03/03/2024</a:t>
             </a:fld>
             <a:endParaRPr lang="en-GB"/>
           </a:p>
@@ -1817,7 +1825,7 @@
           <a:p>
             <a:fld id="{8B606550-C541-449C-947B-29537B471591}" type="datetimeFigureOut">
               <a:rPr lang="en-GB" smtClean="0"/>
-              <a:t>02/03/2024</a:t>
+              <a:t>03/03/2024</a:t>
             </a:fld>
             <a:endParaRPr lang="en-GB"/>
           </a:p>
@@ -1920,7 +1928,7 @@
           </a:lstStyle>
           <a:p>
             <a:r>
-              <a:rPr lang="en-US" smtClean="0"/>
+              <a:rPr lang="en-US"/>
               <a:t>Click to edit Master title style</a:t>
             </a:r>
             <a:endParaRPr lang="en-GB"/>
@@ -1977,35 +1985,35 @@
           <a:p>
             <a:pPr lvl="0"/>
             <a:r>
-              <a:rPr lang="en-US" smtClean="0"/>
+              <a:rPr lang="en-US"/>
               <a:t>Edit Master text styles</a:t>
             </a:r>
           </a:p>
           <a:p>
             <a:pPr lvl="1"/>
             <a:r>
-              <a:rPr lang="en-US" smtClean="0"/>
+              <a:rPr lang="en-US"/>
               <a:t>Second level</a:t>
             </a:r>
           </a:p>
           <a:p>
             <a:pPr lvl="2"/>
             <a:r>
-              <a:rPr lang="en-US" smtClean="0"/>
+              <a:rPr lang="en-US"/>
               <a:t>Third level</a:t>
             </a:r>
           </a:p>
           <a:p>
             <a:pPr lvl="3"/>
             <a:r>
-              <a:rPr lang="en-US" smtClean="0"/>
+              <a:rPr lang="en-US"/>
               <a:t>Fourth level</a:t>
             </a:r>
           </a:p>
           <a:p>
             <a:pPr lvl="4"/>
             <a:r>
-              <a:rPr lang="en-US" smtClean="0"/>
+              <a:rPr lang="en-US"/>
               <a:t>Fifth level</a:t>
             </a:r>
             <a:endParaRPr lang="en-GB"/>
@@ -2071,7 +2079,7 @@
           <a:p>
             <a:pPr lvl="0"/>
             <a:r>
-              <a:rPr lang="en-US" smtClean="0"/>
+              <a:rPr lang="en-US"/>
               <a:t>Edit Master text styles</a:t>
             </a:r>
           </a:p>
@@ -2094,7 +2102,7 @@
           <a:p>
             <a:fld id="{8B606550-C541-449C-947B-29537B471591}" type="datetimeFigureOut">
               <a:rPr lang="en-GB" smtClean="0"/>
-              <a:t>02/03/2024</a:t>
+              <a:t>03/03/2024</a:t>
             </a:fld>
             <a:endParaRPr lang="en-GB"/>
           </a:p>
@@ -2197,7 +2205,7 @@
           </a:lstStyle>
           <a:p>
             <a:r>
-              <a:rPr lang="en-US" smtClean="0"/>
+              <a:rPr lang="en-US"/>
               <a:t>Click to edit Master title style</a:t>
             </a:r>
             <a:endParaRPr lang="en-GB"/>
@@ -2324,7 +2332,7 @@
           <a:p>
             <a:pPr lvl="0"/>
             <a:r>
-              <a:rPr lang="en-US" smtClean="0"/>
+              <a:rPr lang="en-US"/>
               <a:t>Edit Master text styles</a:t>
             </a:r>
           </a:p>
@@ -2347,7 +2355,7 @@
           <a:p>
             <a:fld id="{8B606550-C541-449C-947B-29537B471591}" type="datetimeFigureOut">
               <a:rPr lang="en-GB" smtClean="0"/>
-              <a:t>02/03/2024</a:t>
+              <a:t>03/03/2024</a:t>
             </a:fld>
             <a:endParaRPr lang="en-GB"/>
           </a:p>
@@ -2456,7 +2464,7 @@
           <a:lstStyle/>
           <a:p>
             <a:r>
-              <a:rPr lang="en-US" smtClean="0"/>
+              <a:rPr lang="en-US"/>
               <a:t>Click to edit Master title style</a:t>
             </a:r>
             <a:endParaRPr lang="en-GB"/>
@@ -2490,35 +2498,35 @@
           <a:p>
             <a:pPr lvl="0"/>
             <a:r>
-              <a:rPr lang="en-US" smtClean="0"/>
+              <a:rPr lang="en-US"/>
               <a:t>Edit Master text styles</a:t>
             </a:r>
           </a:p>
           <a:p>
             <a:pPr lvl="1"/>
             <a:r>
-              <a:rPr lang="en-US" smtClean="0"/>
+              <a:rPr lang="en-US"/>
               <a:t>Second level</a:t>
             </a:r>
           </a:p>
           <a:p>
             <a:pPr lvl="2"/>
             <a:r>
-              <a:rPr lang="en-US" smtClean="0"/>
+              <a:rPr lang="en-US"/>
               <a:t>Third level</a:t>
             </a:r>
           </a:p>
           <a:p>
             <a:pPr lvl="3"/>
             <a:r>
-              <a:rPr lang="en-US" smtClean="0"/>
+              <a:rPr lang="en-US"/>
               <a:t>Fourth level</a:t>
             </a:r>
           </a:p>
           <a:p>
             <a:pPr lvl="4"/>
             <a:r>
-              <a:rPr lang="en-US" smtClean="0"/>
+              <a:rPr lang="en-US"/>
               <a:t>Fifth level</a:t>
             </a:r>
             <a:endParaRPr lang="en-GB"/>
@@ -2560,7 +2568,7 @@
           <a:p>
             <a:fld id="{8B606550-C541-449C-947B-29537B471591}" type="datetimeFigureOut">
               <a:rPr lang="en-GB" smtClean="0"/>
-              <a:t>02/03/2024</a:t>
+              <a:t>03/03/2024</a:t>
             </a:fld>
             <a:endParaRPr lang="en-GB"/>
           </a:p>
@@ -2981,10 +2989,9 @@
           <a:lstStyle/>
           <a:p>
             <a:r>
-              <a:rPr lang="en-GB" dirty="0" smtClean="0"/>
+              <a:rPr lang="en-GB" dirty="0"/>
               <a:t>Architecture Application</a:t>
             </a:r>
-            <a:endParaRPr lang="en-GB" dirty="0"/>
           </a:p>
         </p:txBody>
       </p:sp>
@@ -3009,10 +3016,9 @@
           <a:lstStyle/>
           <a:p>
             <a:r>
-              <a:rPr lang="en-GB" dirty="0" smtClean="0"/>
+              <a:rPr lang="en-GB" dirty="0"/>
               <a:t>Project 2  - Eric Butler</a:t>
             </a:r>
-            <a:endParaRPr lang="en-GB" dirty="0"/>
           </a:p>
         </p:txBody>
       </p:sp>
@@ -3062,10 +3068,9 @@
           <a:lstStyle/>
           <a:p>
             <a:r>
-              <a:rPr lang="en-GB" dirty="0" smtClean="0"/>
+              <a:rPr lang="en-GB" dirty="0"/>
               <a:t>Common Architecture Patterns</a:t>
             </a:r>
-            <a:endParaRPr lang="en-GB" dirty="0"/>
           </a:p>
         </p:txBody>
       </p:sp>
@@ -3085,50 +3090,33 @@
           <a:lstStyle/>
           <a:p>
             <a:r>
-              <a:rPr lang="en-GB" dirty="0" smtClean="0"/>
-              <a:t>Architecture </a:t>
-            </a:r>
-            <a:r>
               <a:rPr lang="en-GB" dirty="0"/>
-              <a:t>styles and patterns </a:t>
-            </a:r>
-            <a:r>
-              <a:rPr lang="en-GB" dirty="0" smtClean="0"/>
-              <a:t>are </a:t>
-            </a:r>
+              <a:t>Architecture styles and patterns are sets of principles that shape an application. Some include:</a:t>
+            </a:r>
+          </a:p>
+          <a:p>
             <a:r>
               <a:rPr lang="en-GB" dirty="0"/>
-              <a:t>sets of principles that shape an application</a:t>
-            </a:r>
-            <a:r>
-              <a:rPr lang="en-GB" dirty="0" smtClean="0"/>
-              <a:t>. Some include:</a:t>
-            </a:r>
-          </a:p>
-          <a:p>
-            <a:r>
-              <a:rPr lang="en-GB" dirty="0" smtClean="0"/>
               <a:t>Communication: Service Oriented Architecture (SOA), Message Bus</a:t>
             </a:r>
           </a:p>
           <a:p>
             <a:r>
-              <a:rPr lang="en-GB" dirty="0" smtClean="0"/>
+              <a:rPr lang="en-GB" dirty="0"/>
               <a:t>Deployment: Client/Server, N-Tier, 3-Tier</a:t>
             </a:r>
           </a:p>
           <a:p>
             <a:r>
-              <a:rPr lang="en-GB" dirty="0" smtClean="0"/>
+              <a:rPr lang="en-GB" dirty="0"/>
               <a:t>Domain:  Domain Driven Design</a:t>
             </a:r>
           </a:p>
           <a:p>
             <a:r>
-              <a:rPr lang="en-GB" smtClean="0"/>
+              <a:rPr lang="en-GB" dirty="0"/>
               <a:t>Structure: Component-Based, Object-Oriented, Layered Architecture</a:t>
             </a:r>
-            <a:endParaRPr lang="en-GB" dirty="0" smtClean="0"/>
           </a:p>
           <a:p>
             <a:endParaRPr lang="en-GB" dirty="0"/>
@@ -3139,6 +3127,368 @@
     <p:extLst>
       <p:ext uri="{BB962C8B-B14F-4D97-AF65-F5344CB8AC3E}">
         <p14:creationId xmlns:p14="http://schemas.microsoft.com/office/powerpoint/2010/main" val="2371616001"/>
+      </p:ext>
+    </p:extLst>
+  </p:cSld>
+  <p:clrMapOvr>
+    <a:masterClrMapping/>
+  </p:clrMapOvr>
+</p:sld>
+</file>
+
+<file path=ppt/slides/slide3.xml><?xml version="1.0" encoding="utf-8"?>
+<p:sld xmlns:a="http://schemas.openxmlformats.org/drawingml/2006/main" xmlns:r="http://schemas.openxmlformats.org/officeDocument/2006/relationships" xmlns:p="http://schemas.openxmlformats.org/presentationml/2006/main">
+  <p:cSld>
+    <p:spTree>
+      <p:nvGrpSpPr>
+        <p:cNvPr id="1" name=""/>
+        <p:cNvGrpSpPr/>
+        <p:nvPr/>
+      </p:nvGrpSpPr>
+      <p:grpSpPr>
+        <a:xfrm>
+          <a:off x="0" y="0"/>
+          <a:ext cx="0" cy="0"/>
+          <a:chOff x="0" y="0"/>
+          <a:chExt cx="0" cy="0"/>
+        </a:xfrm>
+      </p:grpSpPr>
+      <p:sp>
+        <p:nvSpPr>
+          <p:cNvPr id="2" name="Title 1">
+            <a:extLst>
+              <a:ext uri="{FF2B5EF4-FFF2-40B4-BE49-F238E27FC236}">
+                <a16:creationId xmlns:a16="http://schemas.microsoft.com/office/drawing/2014/main" id="{D7503EAB-BDC0-BC1D-0D91-3CEDD1901A70}"/>
+              </a:ext>
+            </a:extLst>
+          </p:cNvPr>
+          <p:cNvSpPr>
+            <a:spLocks noGrp="1"/>
+          </p:cNvSpPr>
+          <p:nvPr>
+            <p:ph type="title"/>
+          </p:nvPr>
+        </p:nvSpPr>
+        <p:spPr/>
+        <p:txBody>
+          <a:bodyPr/>
+          <a:lstStyle/>
+          <a:p>
+            <a:r>
+              <a:rPr lang="en-IE" dirty="0"/>
+              <a:t>Service Oriented Architecture pattern</a:t>
+            </a:r>
+          </a:p>
+        </p:txBody>
+      </p:sp>
+      <p:sp>
+        <p:nvSpPr>
+          <p:cNvPr id="3" name="Content Placeholder 2">
+            <a:extLst>
+              <a:ext uri="{FF2B5EF4-FFF2-40B4-BE49-F238E27FC236}">
+                <a16:creationId xmlns:a16="http://schemas.microsoft.com/office/drawing/2014/main" id="{BB43FDDE-FB61-9DA1-CE53-F702A1028E00}"/>
+              </a:ext>
+            </a:extLst>
+          </p:cNvPr>
+          <p:cNvSpPr>
+            <a:spLocks noGrp="1"/>
+          </p:cNvSpPr>
+          <p:nvPr>
+            <p:ph idx="1"/>
+          </p:nvPr>
+        </p:nvSpPr>
+        <p:spPr>
+          <a:xfrm>
+            <a:off x="838200" y="1556084"/>
+            <a:ext cx="10515600" cy="4936791"/>
+          </a:xfrm>
+        </p:spPr>
+        <p:txBody>
+          <a:bodyPr/>
+          <a:lstStyle/>
+          <a:p>
+            <a:r>
+              <a:rPr lang="en-IE" dirty="0"/>
+              <a:t>Software Systems where components, called services, provide functionality to other components over a network. Elements include:</a:t>
+            </a:r>
+          </a:p>
+          <a:p>
+            <a:pPr marL="0" indent="0">
+              <a:buNone/>
+            </a:pPr>
+            <a:r>
+              <a:rPr lang="en-IE" dirty="0"/>
+              <a:t>   - Services: Self-contained unites of functionality.</a:t>
+            </a:r>
+          </a:p>
+          <a:p>
+            <a:pPr marL="0" indent="0">
+              <a:buNone/>
+            </a:pPr>
+            <a:r>
+              <a:rPr lang="en-IE" dirty="0"/>
+              <a:t>   - Loose Coupling: Services are independent and communicate through defined interfaces.</a:t>
+            </a:r>
+          </a:p>
+          <a:p>
+            <a:pPr marL="0" indent="0">
+              <a:buNone/>
+            </a:pPr>
+            <a:r>
+              <a:rPr lang="en-IE" dirty="0"/>
+              <a:t>   - Service Provider: Host services. </a:t>
+            </a:r>
+          </a:p>
+          <a:p>
+            <a:pPr marL="0" indent="0">
+              <a:buNone/>
+            </a:pPr>
+            <a:r>
+              <a:rPr lang="en-IE" dirty="0"/>
+              <a:t>   - Service Consumer: Utilizes services with knowing implementation.</a:t>
+            </a:r>
+          </a:p>
+          <a:p>
+            <a:pPr marL="0" indent="0">
+              <a:buNone/>
+            </a:pPr>
+            <a:r>
+              <a:rPr lang="en-IE" dirty="0"/>
+              <a:t>   - Service Interface: Operations a service offers</a:t>
+            </a:r>
+          </a:p>
+          <a:p>
+            <a:pPr marL="0" indent="0">
+              <a:buNone/>
+            </a:pPr>
+            <a:r>
+              <a:rPr lang="en-IE" dirty="0"/>
+              <a:t>   - Interoperability: Allows different systems to communicate together</a:t>
+            </a:r>
+          </a:p>
+        </p:txBody>
+      </p:sp>
+    </p:spTree>
+    <p:extLst>
+      <p:ext uri="{BB962C8B-B14F-4D97-AF65-F5344CB8AC3E}">
+        <p14:creationId xmlns:p14="http://schemas.microsoft.com/office/powerpoint/2010/main" val="1085615834"/>
+      </p:ext>
+    </p:extLst>
+  </p:cSld>
+  <p:clrMapOvr>
+    <a:masterClrMapping/>
+  </p:clrMapOvr>
+</p:sld>
+</file>
+
+<file path=ppt/slides/slide4.xml><?xml version="1.0" encoding="utf-8"?>
+<p:sld xmlns:a="http://schemas.openxmlformats.org/drawingml/2006/main" xmlns:r="http://schemas.openxmlformats.org/officeDocument/2006/relationships" xmlns:p="http://schemas.openxmlformats.org/presentationml/2006/main">
+  <p:cSld>
+    <p:spTree>
+      <p:nvGrpSpPr>
+        <p:cNvPr id="1" name=""/>
+        <p:cNvGrpSpPr/>
+        <p:nvPr/>
+      </p:nvGrpSpPr>
+      <p:grpSpPr>
+        <a:xfrm>
+          <a:off x="0" y="0"/>
+          <a:ext cx="0" cy="0"/>
+          <a:chOff x="0" y="0"/>
+          <a:chExt cx="0" cy="0"/>
+        </a:xfrm>
+      </p:grpSpPr>
+      <p:sp>
+        <p:nvSpPr>
+          <p:cNvPr id="2" name="Title 1">
+            <a:extLst>
+              <a:ext uri="{FF2B5EF4-FFF2-40B4-BE49-F238E27FC236}">
+                <a16:creationId xmlns:a16="http://schemas.microsoft.com/office/drawing/2014/main" id="{067307C8-1EC5-8392-3DBC-3A8F043AC414}"/>
+              </a:ext>
+            </a:extLst>
+          </p:cNvPr>
+          <p:cNvSpPr>
+            <a:spLocks noGrp="1"/>
+          </p:cNvSpPr>
+          <p:nvPr>
+            <p:ph type="title"/>
+          </p:nvPr>
+        </p:nvSpPr>
+        <p:spPr/>
+        <p:txBody>
+          <a:bodyPr/>
+          <a:lstStyle/>
+          <a:p>
+            <a:r>
+              <a:rPr lang="en-US" dirty="0"/>
+              <a:t>Message Bus</a:t>
+            </a:r>
+            <a:endParaRPr lang="en-IE" dirty="0"/>
+          </a:p>
+        </p:txBody>
+      </p:sp>
+      <p:sp>
+        <p:nvSpPr>
+          <p:cNvPr id="3" name="Content Placeholder 2">
+            <a:extLst>
+              <a:ext uri="{FF2B5EF4-FFF2-40B4-BE49-F238E27FC236}">
+                <a16:creationId xmlns:a16="http://schemas.microsoft.com/office/drawing/2014/main" id="{4FBD46A0-6DDE-2485-A44A-D0D1422C87C4}"/>
+              </a:ext>
+            </a:extLst>
+          </p:cNvPr>
+          <p:cNvSpPr>
+            <a:spLocks noGrp="1"/>
+          </p:cNvSpPr>
+          <p:nvPr>
+            <p:ph idx="1"/>
+          </p:nvPr>
+        </p:nvSpPr>
+        <p:spPr>
+          <a:xfrm>
+            <a:off x="838200" y="1825625"/>
+            <a:ext cx="10515600" cy="4667250"/>
+          </a:xfrm>
+        </p:spPr>
+        <p:txBody>
+          <a:bodyPr>
+            <a:normAutofit lnSpcReduction="10000"/>
+          </a:bodyPr>
+          <a:lstStyle/>
+          <a:p>
+            <a:r>
+              <a:rPr lang="en-US" dirty="0"/>
+              <a:t>Message bus serves as a communication infrastructure within a software system.</a:t>
+            </a:r>
+          </a:p>
+          <a:p>
+            <a:r>
+              <a:rPr lang="en-US" dirty="0"/>
+              <a:t>Allows components to communicate without direct dependencies.</a:t>
+            </a:r>
+          </a:p>
+          <a:p>
+            <a:r>
+              <a:rPr lang="en-IE" dirty="0"/>
+              <a:t>Routes messages from producers to consumers based on rules.</a:t>
+            </a:r>
+          </a:p>
+          <a:p>
+            <a:r>
+              <a:rPr lang="en-IE" dirty="0"/>
+              <a:t>Facilitates scalable architectures by handling message distribution efficiently.</a:t>
+            </a:r>
+          </a:p>
+          <a:p>
+            <a:r>
+              <a:rPr lang="en-IE" dirty="0"/>
+              <a:t>Ensures reliable message delivery through built in systems like persistence.</a:t>
+            </a:r>
+          </a:p>
+          <a:p>
+            <a:r>
+              <a:rPr lang="en-IE" dirty="0"/>
+              <a:t>Enables common communication platforms for systems.</a:t>
+            </a:r>
+          </a:p>
+          <a:p>
+            <a:r>
+              <a:rPr lang="en-IE" dirty="0"/>
+              <a:t>Supports communication patterns that allow systems to operate independently.</a:t>
+            </a:r>
+          </a:p>
+          <a:p>
+            <a:endParaRPr lang="en-IE" dirty="0"/>
+          </a:p>
+        </p:txBody>
+      </p:sp>
+    </p:spTree>
+    <p:extLst>
+      <p:ext uri="{BB962C8B-B14F-4D97-AF65-F5344CB8AC3E}">
+        <p14:creationId xmlns:p14="http://schemas.microsoft.com/office/powerpoint/2010/main" val="1882628539"/>
+      </p:ext>
+    </p:extLst>
+  </p:cSld>
+  <p:clrMapOvr>
+    <a:masterClrMapping/>
+  </p:clrMapOvr>
+</p:sld>
+</file>
+
+<file path=ppt/slides/slide5.xml><?xml version="1.0" encoding="utf-8"?>
+<p:sld xmlns:a="http://schemas.openxmlformats.org/drawingml/2006/main" xmlns:r="http://schemas.openxmlformats.org/officeDocument/2006/relationships" xmlns:p="http://schemas.openxmlformats.org/presentationml/2006/main">
+  <p:cSld>
+    <p:spTree>
+      <p:nvGrpSpPr>
+        <p:cNvPr id="1" name=""/>
+        <p:cNvGrpSpPr/>
+        <p:nvPr/>
+      </p:nvGrpSpPr>
+      <p:grpSpPr>
+        <a:xfrm>
+          <a:off x="0" y="0"/>
+          <a:ext cx="0" cy="0"/>
+          <a:chOff x="0" y="0"/>
+          <a:chExt cx="0" cy="0"/>
+        </a:xfrm>
+      </p:grpSpPr>
+      <p:sp>
+        <p:nvSpPr>
+          <p:cNvPr id="2" name="Title 1">
+            <a:extLst>
+              <a:ext uri="{FF2B5EF4-FFF2-40B4-BE49-F238E27FC236}">
+                <a16:creationId xmlns:a16="http://schemas.microsoft.com/office/drawing/2014/main" id="{C5AAD900-9198-7F2B-1CD6-28D4CDE50AEC}"/>
+              </a:ext>
+            </a:extLst>
+          </p:cNvPr>
+          <p:cNvSpPr>
+            <a:spLocks noGrp="1"/>
+          </p:cNvSpPr>
+          <p:nvPr>
+            <p:ph type="title"/>
+          </p:nvPr>
+        </p:nvSpPr>
+        <p:spPr/>
+        <p:txBody>
+          <a:bodyPr/>
+          <a:lstStyle/>
+          <a:p>
+            <a:r>
+              <a:rPr lang="en-US" dirty="0"/>
+              <a:t>Client / Server</a:t>
+            </a:r>
+            <a:endParaRPr lang="en-IE" dirty="0"/>
+          </a:p>
+        </p:txBody>
+      </p:sp>
+      <p:sp>
+        <p:nvSpPr>
+          <p:cNvPr id="3" name="Content Placeholder 2">
+            <a:extLst>
+              <a:ext uri="{FF2B5EF4-FFF2-40B4-BE49-F238E27FC236}">
+                <a16:creationId xmlns:a16="http://schemas.microsoft.com/office/drawing/2014/main" id="{6280F063-243F-D766-806A-6E2FB982CBEB}"/>
+              </a:ext>
+            </a:extLst>
+          </p:cNvPr>
+          <p:cNvSpPr>
+            <a:spLocks noGrp="1"/>
+          </p:cNvSpPr>
+          <p:nvPr>
+            <p:ph idx="1"/>
+          </p:nvPr>
+        </p:nvSpPr>
+        <p:spPr/>
+        <p:txBody>
+          <a:bodyPr/>
+          <a:lstStyle/>
+          <a:p>
+            <a:endParaRPr lang="en-IE"/>
+          </a:p>
+        </p:txBody>
+      </p:sp>
+    </p:spTree>
+    <p:extLst>
+      <p:ext uri="{BB962C8B-B14F-4D97-AF65-F5344CB8AC3E}">
+        <p14:creationId xmlns:p14="http://schemas.microsoft.com/office/powerpoint/2010/main" val="2899197653"/>
       </p:ext>
     </p:extLst>
   </p:cSld>

--- a/Final Year Project/Architecture Application Presentation.pptx
+++ b/Final Year Project/Architecture Application Presentation.pptx
@@ -10,6 +10,13 @@
     <p:sldId id="258" r:id="rId4"/>
     <p:sldId id="259" r:id="rId5"/>
     <p:sldId id="260" r:id="rId6"/>
+    <p:sldId id="261" r:id="rId7"/>
+    <p:sldId id="262" r:id="rId8"/>
+    <p:sldId id="263" r:id="rId9"/>
+    <p:sldId id="264" r:id="rId10"/>
+    <p:sldId id="265" r:id="rId11"/>
+    <p:sldId id="266" r:id="rId12"/>
+    <p:sldId id="267" r:id="rId13"/>
   </p:sldIdLst>
   <p:sldSz cx="12192000" cy="6858000"/>
   <p:notesSz cx="6858000" cy="9144000"/>
@@ -247,7 +254,7 @@
           <a:p>
             <a:fld id="{8B606550-C541-449C-947B-29537B471591}" type="datetimeFigureOut">
               <a:rPr lang="en-GB" smtClean="0"/>
-              <a:t>03/03/2024</a:t>
+              <a:t>04/03/2024</a:t>
             </a:fld>
             <a:endParaRPr lang="en-GB"/>
           </a:p>
@@ -417,7 +424,7 @@
           <a:p>
             <a:fld id="{8B606550-C541-449C-947B-29537B471591}" type="datetimeFigureOut">
               <a:rPr lang="en-GB" smtClean="0"/>
-              <a:t>03/03/2024</a:t>
+              <a:t>04/03/2024</a:t>
             </a:fld>
             <a:endParaRPr lang="en-GB"/>
           </a:p>
@@ -597,7 +604,7 @@
           <a:p>
             <a:fld id="{8B606550-C541-449C-947B-29537B471591}" type="datetimeFigureOut">
               <a:rPr lang="en-GB" smtClean="0"/>
-              <a:t>03/03/2024</a:t>
+              <a:t>04/03/2024</a:t>
             </a:fld>
             <a:endParaRPr lang="en-GB"/>
           </a:p>
@@ -767,7 +774,7 @@
           <a:p>
             <a:fld id="{8B606550-C541-449C-947B-29537B471591}" type="datetimeFigureOut">
               <a:rPr lang="en-GB" smtClean="0"/>
-              <a:t>03/03/2024</a:t>
+              <a:t>04/03/2024</a:t>
             </a:fld>
             <a:endParaRPr lang="en-GB"/>
           </a:p>
@@ -1013,7 +1020,7 @@
           <a:p>
             <a:fld id="{8B606550-C541-449C-947B-29537B471591}" type="datetimeFigureOut">
               <a:rPr lang="en-GB" smtClean="0"/>
-              <a:t>03/03/2024</a:t>
+              <a:t>04/03/2024</a:t>
             </a:fld>
             <a:endParaRPr lang="en-GB"/>
           </a:p>
@@ -1245,7 +1252,7 @@
           <a:p>
             <a:fld id="{8B606550-C541-449C-947B-29537B471591}" type="datetimeFigureOut">
               <a:rPr lang="en-GB" smtClean="0"/>
-              <a:t>03/03/2024</a:t>
+              <a:t>04/03/2024</a:t>
             </a:fld>
             <a:endParaRPr lang="en-GB"/>
           </a:p>
@@ -1612,7 +1619,7 @@
           <a:p>
             <a:fld id="{8B606550-C541-449C-947B-29537B471591}" type="datetimeFigureOut">
               <a:rPr lang="en-GB" smtClean="0"/>
-              <a:t>03/03/2024</a:t>
+              <a:t>04/03/2024</a:t>
             </a:fld>
             <a:endParaRPr lang="en-GB"/>
           </a:p>
@@ -1730,7 +1737,7 @@
           <a:p>
             <a:fld id="{8B606550-C541-449C-947B-29537B471591}" type="datetimeFigureOut">
               <a:rPr lang="en-GB" smtClean="0"/>
-              <a:t>03/03/2024</a:t>
+              <a:t>04/03/2024</a:t>
             </a:fld>
             <a:endParaRPr lang="en-GB"/>
           </a:p>
@@ -1825,7 +1832,7 @@
           <a:p>
             <a:fld id="{8B606550-C541-449C-947B-29537B471591}" type="datetimeFigureOut">
               <a:rPr lang="en-GB" smtClean="0"/>
-              <a:t>03/03/2024</a:t>
+              <a:t>04/03/2024</a:t>
             </a:fld>
             <a:endParaRPr lang="en-GB"/>
           </a:p>
@@ -2102,7 +2109,7 @@
           <a:p>
             <a:fld id="{8B606550-C541-449C-947B-29537B471591}" type="datetimeFigureOut">
               <a:rPr lang="en-GB" smtClean="0"/>
-              <a:t>03/03/2024</a:t>
+              <a:t>04/03/2024</a:t>
             </a:fld>
             <a:endParaRPr lang="en-GB"/>
           </a:p>
@@ -2355,7 +2362,7 @@
           <a:p>
             <a:fld id="{8B606550-C541-449C-947B-29537B471591}" type="datetimeFigureOut">
               <a:rPr lang="en-GB" smtClean="0"/>
-              <a:t>03/03/2024</a:t>
+              <a:t>04/03/2024</a:t>
             </a:fld>
             <a:endParaRPr lang="en-GB"/>
           </a:p>
@@ -2568,7 +2575,7 @@
           <a:p>
             <a:fld id="{8B606550-C541-449C-947B-29537B471591}" type="datetimeFigureOut">
               <a:rPr lang="en-GB" smtClean="0"/>
-              <a:t>03/03/2024</a:t>
+              <a:t>04/03/2024</a:t>
             </a:fld>
             <a:endParaRPr lang="en-GB"/>
           </a:p>
@@ -3035,6 +3042,289 @@
 </p:sld>
 </file>
 
+<file path=ppt/slides/slide10.xml><?xml version="1.0" encoding="utf-8"?>
+<p:sld xmlns:a="http://schemas.openxmlformats.org/drawingml/2006/main" xmlns:r="http://schemas.openxmlformats.org/officeDocument/2006/relationships" xmlns:p="http://schemas.openxmlformats.org/presentationml/2006/main">
+  <p:cSld>
+    <p:spTree>
+      <p:nvGrpSpPr>
+        <p:cNvPr id="1" name=""/>
+        <p:cNvGrpSpPr/>
+        <p:nvPr/>
+      </p:nvGrpSpPr>
+      <p:grpSpPr>
+        <a:xfrm>
+          <a:off x="0" y="0"/>
+          <a:ext cx="0" cy="0"/>
+          <a:chOff x="0" y="0"/>
+          <a:chExt cx="0" cy="0"/>
+        </a:xfrm>
+      </p:grpSpPr>
+      <p:sp>
+        <p:nvSpPr>
+          <p:cNvPr id="2" name="Title 1"/>
+          <p:cNvSpPr>
+            <a:spLocks noGrp="1"/>
+          </p:cNvSpPr>
+          <p:nvPr>
+            <p:ph type="title"/>
+          </p:nvPr>
+        </p:nvSpPr>
+        <p:spPr/>
+        <p:txBody>
+          <a:bodyPr/>
+          <a:lstStyle/>
+          <a:p>
+            <a:r>
+              <a:rPr lang="en-GB" dirty="0" smtClean="0"/>
+              <a:t>Layered Architecture</a:t>
+            </a:r>
+            <a:endParaRPr lang="en-GB" dirty="0"/>
+          </a:p>
+        </p:txBody>
+      </p:sp>
+      <p:sp>
+        <p:nvSpPr>
+          <p:cNvPr id="3" name="Content Placeholder 2"/>
+          <p:cNvSpPr>
+            <a:spLocks noGrp="1"/>
+          </p:cNvSpPr>
+          <p:nvPr>
+            <p:ph idx="1"/>
+          </p:nvPr>
+        </p:nvSpPr>
+        <p:spPr/>
+        <p:txBody>
+          <a:bodyPr/>
+          <a:lstStyle/>
+          <a:p>
+            <a:r>
+              <a:rPr lang="en-GB" dirty="0" smtClean="0"/>
+              <a:t>Similar to N-Tier Architecture, Layered Architecture separates an application into distinct layers each having it’s own purpose similar to those described in the N-Tier Architecture slide</a:t>
+            </a:r>
+            <a:endParaRPr lang="en-GB" dirty="0"/>
+          </a:p>
+        </p:txBody>
+      </p:sp>
+    </p:spTree>
+    <p:extLst>
+      <p:ext uri="{BB962C8B-B14F-4D97-AF65-F5344CB8AC3E}">
+        <p14:creationId xmlns:p14="http://schemas.microsoft.com/office/powerpoint/2010/main" val="1146520573"/>
+      </p:ext>
+    </p:extLst>
+  </p:cSld>
+  <p:clrMapOvr>
+    <a:masterClrMapping/>
+  </p:clrMapOvr>
+</p:sld>
+</file>
+
+<file path=ppt/slides/slide11.xml><?xml version="1.0" encoding="utf-8"?>
+<p:sld xmlns:a="http://schemas.openxmlformats.org/drawingml/2006/main" xmlns:r="http://schemas.openxmlformats.org/officeDocument/2006/relationships" xmlns:p="http://schemas.openxmlformats.org/presentationml/2006/main">
+  <p:cSld>
+    <p:spTree>
+      <p:nvGrpSpPr>
+        <p:cNvPr id="1" name=""/>
+        <p:cNvGrpSpPr/>
+        <p:nvPr/>
+      </p:nvGrpSpPr>
+      <p:grpSpPr>
+        <a:xfrm>
+          <a:off x="0" y="0"/>
+          <a:ext cx="0" cy="0"/>
+          <a:chOff x="0" y="0"/>
+          <a:chExt cx="0" cy="0"/>
+        </a:xfrm>
+      </p:grpSpPr>
+      <p:sp>
+        <p:nvSpPr>
+          <p:cNvPr id="2" name="Title 1"/>
+          <p:cNvSpPr>
+            <a:spLocks noGrp="1"/>
+          </p:cNvSpPr>
+          <p:nvPr>
+            <p:ph type="title"/>
+          </p:nvPr>
+        </p:nvSpPr>
+        <p:spPr/>
+        <p:txBody>
+          <a:bodyPr/>
+          <a:lstStyle/>
+          <a:p>
+            <a:r>
+              <a:rPr lang="en-GB" dirty="0" smtClean="0"/>
+              <a:t>Which would suit best for me?</a:t>
+            </a:r>
+            <a:endParaRPr lang="en-GB" dirty="0"/>
+          </a:p>
+        </p:txBody>
+      </p:sp>
+      <p:sp>
+        <p:nvSpPr>
+          <p:cNvPr id="3" name="Content Placeholder 2"/>
+          <p:cNvSpPr>
+            <a:spLocks noGrp="1"/>
+          </p:cNvSpPr>
+          <p:nvPr>
+            <p:ph idx="1"/>
+          </p:nvPr>
+        </p:nvSpPr>
+        <p:spPr>
+          <a:xfrm>
+            <a:off x="838200" y="1597024"/>
+            <a:ext cx="10515600" cy="5032375"/>
+          </a:xfrm>
+        </p:spPr>
+        <p:txBody>
+          <a:bodyPr>
+            <a:normAutofit lnSpcReduction="10000"/>
+          </a:bodyPr>
+          <a:lstStyle/>
+          <a:p>
+            <a:r>
+              <a:rPr lang="en-GB" dirty="0" smtClean="0"/>
+              <a:t>I’ve chosen the component based architecture approach as I’ve been developing my project through different ‘components’ at a time. For example was my Mapping, Then my Network nodes and CAPL rules, moving towards my traffic light system.</a:t>
+            </a:r>
+          </a:p>
+          <a:p>
+            <a:r>
+              <a:rPr lang="en-GB" dirty="0" smtClean="0"/>
+              <a:t>All these components had multiple tasks that needed to be created within them such as:</a:t>
+            </a:r>
+          </a:p>
+          <a:p>
+            <a:pPr marL="0" indent="0">
+              <a:buNone/>
+            </a:pPr>
+            <a:r>
+              <a:rPr lang="en-GB" dirty="0" smtClean="0"/>
+              <a:t>   - The traffic light system needing: Bitmaps created, CAPL code, Sys Variables</a:t>
+            </a:r>
+          </a:p>
+          <a:p>
+            <a:pPr marL="0" indent="0">
+              <a:buNone/>
+            </a:pPr>
+            <a:r>
+              <a:rPr lang="en-GB" dirty="0"/>
+              <a:t> </a:t>
+            </a:r>
+            <a:r>
+              <a:rPr lang="en-GB" dirty="0" smtClean="0"/>
+              <a:t>  - Wrong direction needed: Mapping, Network Nodes, CAPL code, Sys Variables all separate to the traffic light.</a:t>
+            </a:r>
+          </a:p>
+          <a:p>
+            <a:pPr marL="0" indent="0">
+              <a:buNone/>
+            </a:pPr>
+            <a:r>
+              <a:rPr lang="en-GB" dirty="0" smtClean="0"/>
+              <a:t>* These components combine together to make my overall simulation design</a:t>
+            </a:r>
+          </a:p>
+          <a:p>
+            <a:pPr marL="0" indent="0">
+              <a:buNone/>
+            </a:pPr>
+            <a:endParaRPr lang="en-GB" dirty="0" smtClean="0"/>
+          </a:p>
+        </p:txBody>
+      </p:sp>
+    </p:spTree>
+    <p:extLst>
+      <p:ext uri="{BB962C8B-B14F-4D97-AF65-F5344CB8AC3E}">
+        <p14:creationId xmlns:p14="http://schemas.microsoft.com/office/powerpoint/2010/main" val="1529614912"/>
+      </p:ext>
+    </p:extLst>
+  </p:cSld>
+  <p:clrMapOvr>
+    <a:masterClrMapping/>
+  </p:clrMapOvr>
+</p:sld>
+</file>
+
+<file path=ppt/slides/slide12.xml><?xml version="1.0" encoding="utf-8"?>
+<p:sld xmlns:a="http://schemas.openxmlformats.org/drawingml/2006/main" xmlns:r="http://schemas.openxmlformats.org/officeDocument/2006/relationships" xmlns:p="http://schemas.openxmlformats.org/presentationml/2006/main">
+  <p:cSld>
+    <p:spTree>
+      <p:nvGrpSpPr>
+        <p:cNvPr id="1" name=""/>
+        <p:cNvGrpSpPr/>
+        <p:nvPr/>
+      </p:nvGrpSpPr>
+      <p:grpSpPr>
+        <a:xfrm>
+          <a:off x="0" y="0"/>
+          <a:ext cx="0" cy="0"/>
+          <a:chOff x="0" y="0"/>
+          <a:chExt cx="0" cy="0"/>
+        </a:xfrm>
+      </p:grpSpPr>
+      <p:sp>
+        <p:nvSpPr>
+          <p:cNvPr id="2" name="Title 1"/>
+          <p:cNvSpPr>
+            <a:spLocks noGrp="1"/>
+          </p:cNvSpPr>
+          <p:nvPr>
+            <p:ph type="title"/>
+          </p:nvPr>
+        </p:nvSpPr>
+        <p:spPr/>
+        <p:txBody>
+          <a:bodyPr/>
+          <a:lstStyle/>
+          <a:p>
+            <a:r>
+              <a:rPr lang="en-GB" dirty="0" smtClean="0"/>
+              <a:t>Attempt at Architecture Diagram</a:t>
+            </a:r>
+            <a:endParaRPr lang="en-GB" dirty="0"/>
+          </a:p>
+        </p:txBody>
+      </p:sp>
+      <p:pic>
+        <p:nvPicPr>
+          <p:cNvPr id="4" name="Content Placeholder 3"/>
+          <p:cNvPicPr>
+            <a:picLocks noGrp="1" noChangeAspect="1"/>
+          </p:cNvPicPr>
+          <p:nvPr>
+            <p:ph idx="1"/>
+          </p:nvPr>
+        </p:nvPicPr>
+        <p:blipFill>
+          <a:blip r:embed="rId2" cstate="print">
+            <a:extLst>
+              <a:ext uri="{28A0092B-C50C-407E-A947-70E740481C1C}">
+                <a14:useLocalDpi xmlns:a14="http://schemas.microsoft.com/office/drawing/2010/main" val="0"/>
+              </a:ext>
+            </a:extLst>
+          </a:blip>
+          <a:stretch>
+            <a:fillRect/>
+          </a:stretch>
+        </p:blipFill>
+        <p:spPr>
+          <a:xfrm>
+            <a:off x="838200" y="1977652"/>
+            <a:ext cx="10515600" cy="4047283"/>
+          </a:xfrm>
+        </p:spPr>
+      </p:pic>
+    </p:spTree>
+    <p:extLst>
+      <p:ext uri="{BB962C8B-B14F-4D97-AF65-F5344CB8AC3E}">
+        <p14:creationId xmlns:p14="http://schemas.microsoft.com/office/powerpoint/2010/main" val="3894198561"/>
+      </p:ext>
+    </p:extLst>
+  </p:cSld>
+  <p:clrMapOvr>
+    <a:masterClrMapping/>
+  </p:clrMapOvr>
+</p:sld>
+</file>
+
 <file path=ppt/slides/slide2.xml><?xml version="1.0" encoding="utf-8"?>
 <p:sld xmlns:a="http://schemas.openxmlformats.org/drawingml/2006/main" xmlns:r="http://schemas.openxmlformats.org/officeDocument/2006/relationships" xmlns:p="http://schemas.openxmlformats.org/presentationml/2006/main">
   <p:cSld>
@@ -3481,7 +3771,58 @@
           <a:bodyPr/>
           <a:lstStyle/>
           <a:p>
-            <a:endParaRPr lang="en-IE"/>
+            <a:r>
+              <a:rPr lang="en-IE" dirty="0" smtClean="0"/>
+              <a:t>Model in which computing tasks are divided between client machines and server machines.</a:t>
+            </a:r>
+          </a:p>
+          <a:p>
+            <a:pPr marL="0" indent="0">
+              <a:buNone/>
+            </a:pPr>
+            <a:r>
+              <a:rPr lang="en-IE" dirty="0" smtClean="0"/>
+              <a:t>   - Client initiates requests for services or resources from the server.</a:t>
+            </a:r>
+          </a:p>
+          <a:p>
+            <a:pPr marL="0" indent="0">
+              <a:buNone/>
+            </a:pPr>
+            <a:r>
+              <a:rPr lang="en-IE" dirty="0"/>
+              <a:t> </a:t>
+            </a:r>
+            <a:r>
+              <a:rPr lang="en-IE" dirty="0" smtClean="0"/>
+              <a:t>  - Server provides these requested resources.</a:t>
+            </a:r>
+          </a:p>
+          <a:p>
+            <a:pPr marL="0" indent="0">
+              <a:buNone/>
+            </a:pPr>
+            <a:r>
+              <a:rPr lang="en-IE" dirty="0"/>
+              <a:t> </a:t>
+            </a:r>
+            <a:r>
+              <a:rPr lang="en-IE" dirty="0" smtClean="0"/>
+              <a:t>  - Clients are servers communicate over a network using protocols such as HTTP, TCP / IP.</a:t>
+            </a:r>
+          </a:p>
+          <a:p>
+            <a:pPr marL="0" indent="0">
+              <a:buNone/>
+            </a:pPr>
+            <a:r>
+              <a:rPr lang="en-IE" dirty="0"/>
+              <a:t> </a:t>
+            </a:r>
+            <a:r>
+              <a:rPr lang="en-IE" dirty="0" smtClean="0"/>
+              <a:t>  - This type of architecture allows for scalability and flexibility tailored to a clients needs upon request.</a:t>
+            </a:r>
           </a:p>
         </p:txBody>
       </p:sp>
@@ -3489,6 +3830,419 @@
     <p:extLst>
       <p:ext uri="{BB962C8B-B14F-4D97-AF65-F5344CB8AC3E}">
         <p14:creationId xmlns:p14="http://schemas.microsoft.com/office/powerpoint/2010/main" val="2899197653"/>
+      </p:ext>
+    </p:extLst>
+  </p:cSld>
+  <p:clrMapOvr>
+    <a:masterClrMapping/>
+  </p:clrMapOvr>
+</p:sld>
+</file>
+
+<file path=ppt/slides/slide6.xml><?xml version="1.0" encoding="utf-8"?>
+<p:sld xmlns:a="http://schemas.openxmlformats.org/drawingml/2006/main" xmlns:r="http://schemas.openxmlformats.org/officeDocument/2006/relationships" xmlns:p="http://schemas.openxmlformats.org/presentationml/2006/main">
+  <p:cSld>
+    <p:spTree>
+      <p:nvGrpSpPr>
+        <p:cNvPr id="1" name=""/>
+        <p:cNvGrpSpPr/>
+        <p:nvPr/>
+      </p:nvGrpSpPr>
+      <p:grpSpPr>
+        <a:xfrm>
+          <a:off x="0" y="0"/>
+          <a:ext cx="0" cy="0"/>
+          <a:chOff x="0" y="0"/>
+          <a:chExt cx="0" cy="0"/>
+        </a:xfrm>
+      </p:grpSpPr>
+      <p:sp>
+        <p:nvSpPr>
+          <p:cNvPr id="2" name="Title 1"/>
+          <p:cNvSpPr>
+            <a:spLocks noGrp="1"/>
+          </p:cNvSpPr>
+          <p:nvPr>
+            <p:ph type="title"/>
+          </p:nvPr>
+        </p:nvSpPr>
+        <p:spPr/>
+        <p:txBody>
+          <a:bodyPr/>
+          <a:lstStyle/>
+          <a:p>
+            <a:r>
+              <a:rPr lang="en-GB" dirty="0" smtClean="0"/>
+              <a:t>N-Tier Architecture </a:t>
+            </a:r>
+            <a:endParaRPr lang="en-GB" dirty="0"/>
+          </a:p>
+        </p:txBody>
+      </p:sp>
+      <p:sp>
+        <p:nvSpPr>
+          <p:cNvPr id="3" name="Content Placeholder 2"/>
+          <p:cNvSpPr>
+            <a:spLocks noGrp="1"/>
+          </p:cNvSpPr>
+          <p:nvPr>
+            <p:ph idx="1"/>
+          </p:nvPr>
+        </p:nvSpPr>
+        <p:spPr>
+          <a:xfrm>
+            <a:off x="838200" y="1582056"/>
+            <a:ext cx="10515600" cy="5007429"/>
+          </a:xfrm>
+        </p:spPr>
+        <p:txBody>
+          <a:bodyPr>
+            <a:normAutofit/>
+          </a:bodyPr>
+          <a:lstStyle/>
+          <a:p>
+            <a:r>
+              <a:rPr lang="en-GB" dirty="0" smtClean="0"/>
+              <a:t>N-Tier Architecture is a pattern where an application is divided up into multiple tiers / layers. Some of these include:</a:t>
+            </a:r>
+          </a:p>
+          <a:p>
+            <a:pPr marL="0" indent="0">
+              <a:buNone/>
+            </a:pPr>
+            <a:r>
+              <a:rPr lang="en-GB" dirty="0" smtClean="0"/>
+              <a:t>   - Presentation Tier: Where the user interacts with things such as UI.</a:t>
+            </a:r>
+          </a:p>
+          <a:p>
+            <a:pPr marL="0" indent="0">
+              <a:buNone/>
+            </a:pPr>
+            <a:r>
+              <a:rPr lang="en-GB" dirty="0"/>
+              <a:t> </a:t>
+            </a:r>
+            <a:r>
+              <a:rPr lang="en-GB" dirty="0" smtClean="0"/>
+              <a:t>  - Application Tier: The application logic responsible for processing the data.</a:t>
+            </a:r>
+          </a:p>
+          <a:p>
+            <a:pPr marL="0" indent="0">
+              <a:buNone/>
+            </a:pPr>
+            <a:r>
+              <a:rPr lang="en-GB" dirty="0"/>
+              <a:t> </a:t>
+            </a:r>
+            <a:r>
+              <a:rPr lang="en-GB" dirty="0" smtClean="0"/>
+              <a:t>  - Data Tier: This is backend functionality for storing and receiving data (Data bases, file systems etc.)</a:t>
+            </a:r>
+          </a:p>
+          <a:p>
+            <a:pPr marL="0" indent="0">
+              <a:buNone/>
+            </a:pPr>
+            <a:r>
+              <a:rPr lang="en-GB" dirty="0"/>
+              <a:t> </a:t>
+            </a:r>
+            <a:r>
+              <a:rPr lang="en-GB" dirty="0" smtClean="0"/>
+              <a:t>  - Scalability: Allowing for better performance management and resource allocation.</a:t>
+            </a:r>
+          </a:p>
+          <a:p>
+            <a:pPr marL="0" indent="0">
+              <a:buNone/>
+            </a:pPr>
+            <a:r>
+              <a:rPr lang="en-GB" dirty="0"/>
+              <a:t> </a:t>
+            </a:r>
+            <a:r>
+              <a:rPr lang="en-GB" dirty="0" smtClean="0"/>
+              <a:t>  - Security: Separating tasks in order of sensitivity to allow for </a:t>
+            </a:r>
+            <a:r>
+              <a:rPr lang="en-GB" dirty="0" smtClean="0"/>
+              <a:t>higher priority of important </a:t>
+            </a:r>
+            <a:r>
+              <a:rPr lang="en-GB" dirty="0" err="1" smtClean="0"/>
+              <a:t>taks</a:t>
+            </a:r>
+            <a:endParaRPr lang="en-GB" dirty="0" smtClean="0"/>
+          </a:p>
+        </p:txBody>
+      </p:sp>
+    </p:spTree>
+    <p:extLst>
+      <p:ext uri="{BB962C8B-B14F-4D97-AF65-F5344CB8AC3E}">
+        <p14:creationId xmlns:p14="http://schemas.microsoft.com/office/powerpoint/2010/main" val="2582517807"/>
+      </p:ext>
+    </p:extLst>
+  </p:cSld>
+  <p:clrMapOvr>
+    <a:masterClrMapping/>
+  </p:clrMapOvr>
+</p:sld>
+</file>
+
+<file path=ppt/slides/slide7.xml><?xml version="1.0" encoding="utf-8"?>
+<p:sld xmlns:a="http://schemas.openxmlformats.org/drawingml/2006/main" xmlns:r="http://schemas.openxmlformats.org/officeDocument/2006/relationships" xmlns:p="http://schemas.openxmlformats.org/presentationml/2006/main">
+  <p:cSld>
+    <p:spTree>
+      <p:nvGrpSpPr>
+        <p:cNvPr id="1" name=""/>
+        <p:cNvGrpSpPr/>
+        <p:nvPr/>
+      </p:nvGrpSpPr>
+      <p:grpSpPr>
+        <a:xfrm>
+          <a:off x="0" y="0"/>
+          <a:ext cx="0" cy="0"/>
+          <a:chOff x="0" y="0"/>
+          <a:chExt cx="0" cy="0"/>
+        </a:xfrm>
+      </p:grpSpPr>
+      <p:sp>
+        <p:nvSpPr>
+          <p:cNvPr id="2" name="Title 1"/>
+          <p:cNvSpPr>
+            <a:spLocks noGrp="1"/>
+          </p:cNvSpPr>
+          <p:nvPr>
+            <p:ph type="title"/>
+          </p:nvPr>
+        </p:nvSpPr>
+        <p:spPr/>
+        <p:txBody>
+          <a:bodyPr/>
+          <a:lstStyle/>
+          <a:p>
+            <a:r>
+              <a:rPr lang="en-GB" dirty="0" smtClean="0"/>
+              <a:t>Domain Driven Design</a:t>
+            </a:r>
+            <a:endParaRPr lang="en-GB" dirty="0"/>
+          </a:p>
+        </p:txBody>
+      </p:sp>
+      <p:sp>
+        <p:nvSpPr>
+          <p:cNvPr id="3" name="Content Placeholder 2"/>
+          <p:cNvSpPr>
+            <a:spLocks noGrp="1"/>
+          </p:cNvSpPr>
+          <p:nvPr>
+            <p:ph idx="1"/>
+          </p:nvPr>
+        </p:nvSpPr>
+        <p:spPr/>
+        <p:txBody>
+          <a:bodyPr/>
+          <a:lstStyle/>
+          <a:p>
+            <a:r>
+              <a:rPr lang="en-GB" dirty="0" smtClean="0"/>
+              <a:t>This is the design process of identifying what issue is occurring and solving the issues with the business and processes in mind.</a:t>
+            </a:r>
+          </a:p>
+          <a:p>
+            <a:endParaRPr lang="en-GB" dirty="0" smtClean="0"/>
+          </a:p>
+          <a:p>
+            <a:r>
+              <a:rPr lang="en-GB" dirty="0" smtClean="0"/>
+              <a:t>This is also about creating a common language ground between both the technical team and the domain experts in order to have effective communication and all sides understand what is occurring.</a:t>
+            </a:r>
+            <a:endParaRPr lang="en-GB" dirty="0"/>
+          </a:p>
+        </p:txBody>
+      </p:sp>
+    </p:spTree>
+    <p:extLst>
+      <p:ext uri="{BB962C8B-B14F-4D97-AF65-F5344CB8AC3E}">
+        <p14:creationId xmlns:p14="http://schemas.microsoft.com/office/powerpoint/2010/main" val="4225138631"/>
+      </p:ext>
+    </p:extLst>
+  </p:cSld>
+  <p:clrMapOvr>
+    <a:masterClrMapping/>
+  </p:clrMapOvr>
+</p:sld>
+</file>
+
+<file path=ppt/slides/slide8.xml><?xml version="1.0" encoding="utf-8"?>
+<p:sld xmlns:a="http://schemas.openxmlformats.org/drawingml/2006/main" xmlns:r="http://schemas.openxmlformats.org/officeDocument/2006/relationships" xmlns:p="http://schemas.openxmlformats.org/presentationml/2006/main">
+  <p:cSld>
+    <p:spTree>
+      <p:nvGrpSpPr>
+        <p:cNvPr id="1" name=""/>
+        <p:cNvGrpSpPr/>
+        <p:nvPr/>
+      </p:nvGrpSpPr>
+      <p:grpSpPr>
+        <a:xfrm>
+          <a:off x="0" y="0"/>
+          <a:ext cx="0" cy="0"/>
+          <a:chOff x="0" y="0"/>
+          <a:chExt cx="0" cy="0"/>
+        </a:xfrm>
+      </p:grpSpPr>
+      <p:sp>
+        <p:nvSpPr>
+          <p:cNvPr id="2" name="Title 1"/>
+          <p:cNvSpPr>
+            <a:spLocks noGrp="1"/>
+          </p:cNvSpPr>
+          <p:nvPr>
+            <p:ph type="title"/>
+          </p:nvPr>
+        </p:nvSpPr>
+        <p:spPr/>
+        <p:txBody>
+          <a:bodyPr/>
+          <a:lstStyle/>
+          <a:p>
+            <a:r>
+              <a:rPr lang="en-GB" dirty="0" smtClean="0"/>
+              <a:t>Component Based Architecture</a:t>
+            </a:r>
+            <a:endParaRPr lang="en-GB" dirty="0"/>
+          </a:p>
+        </p:txBody>
+      </p:sp>
+      <p:sp>
+        <p:nvSpPr>
+          <p:cNvPr id="3" name="Content Placeholder 2"/>
+          <p:cNvSpPr>
+            <a:spLocks noGrp="1"/>
+          </p:cNvSpPr>
+          <p:nvPr>
+            <p:ph idx="1"/>
+          </p:nvPr>
+        </p:nvSpPr>
+        <p:spPr/>
+        <p:txBody>
+          <a:bodyPr/>
+          <a:lstStyle/>
+          <a:p>
+            <a:r>
+              <a:rPr lang="en-GB" dirty="0" smtClean="0"/>
+              <a:t>This is the architecture process of building a system or model using reusable parts. In the aspect of computer science, this is the process of building a system with reusable functions and logical components that will operate communication interfaces.</a:t>
+            </a:r>
+          </a:p>
+          <a:p>
+            <a:r>
+              <a:rPr lang="en-GB" dirty="0" smtClean="0"/>
+              <a:t>Some examples of functions could include setting attributes for a specific node e.g. Setting up functions to track a cars speed, length, location etc. And then calling that function when those attributes are needed.</a:t>
+            </a:r>
+          </a:p>
+          <a:p>
+            <a:r>
+              <a:rPr lang="en-GB" dirty="0" smtClean="0"/>
+              <a:t>This allows for breakdown of design into common functions as each function can be completed </a:t>
+            </a:r>
+            <a:r>
+              <a:rPr lang="en-GB" dirty="0" err="1" smtClean="0"/>
+              <a:t>sepretly</a:t>
+            </a:r>
+            <a:r>
+              <a:rPr lang="en-GB" dirty="0"/>
+              <a:t>.</a:t>
+            </a:r>
+          </a:p>
+        </p:txBody>
+      </p:sp>
+    </p:spTree>
+    <p:extLst>
+      <p:ext uri="{BB962C8B-B14F-4D97-AF65-F5344CB8AC3E}">
+        <p14:creationId xmlns:p14="http://schemas.microsoft.com/office/powerpoint/2010/main" val="1607479824"/>
+      </p:ext>
+    </p:extLst>
+  </p:cSld>
+  <p:clrMapOvr>
+    <a:masterClrMapping/>
+  </p:clrMapOvr>
+</p:sld>
+</file>
+
+<file path=ppt/slides/slide9.xml><?xml version="1.0" encoding="utf-8"?>
+<p:sld xmlns:a="http://schemas.openxmlformats.org/drawingml/2006/main" xmlns:r="http://schemas.openxmlformats.org/officeDocument/2006/relationships" xmlns:p="http://schemas.openxmlformats.org/presentationml/2006/main">
+  <p:cSld>
+    <p:spTree>
+      <p:nvGrpSpPr>
+        <p:cNvPr id="1" name=""/>
+        <p:cNvGrpSpPr/>
+        <p:nvPr/>
+      </p:nvGrpSpPr>
+      <p:grpSpPr>
+        <a:xfrm>
+          <a:off x="0" y="0"/>
+          <a:ext cx="0" cy="0"/>
+          <a:chOff x="0" y="0"/>
+          <a:chExt cx="0" cy="0"/>
+        </a:xfrm>
+      </p:grpSpPr>
+      <p:sp>
+        <p:nvSpPr>
+          <p:cNvPr id="2" name="Title 1"/>
+          <p:cNvSpPr>
+            <a:spLocks noGrp="1"/>
+          </p:cNvSpPr>
+          <p:nvPr>
+            <p:ph type="title"/>
+          </p:nvPr>
+        </p:nvSpPr>
+        <p:spPr/>
+        <p:txBody>
+          <a:bodyPr/>
+          <a:lstStyle/>
+          <a:p>
+            <a:r>
+              <a:rPr lang="en-GB" dirty="0" smtClean="0"/>
+              <a:t>Object Orientated Architecture</a:t>
+            </a:r>
+            <a:endParaRPr lang="en-GB" dirty="0"/>
+          </a:p>
+        </p:txBody>
+      </p:sp>
+      <p:sp>
+        <p:nvSpPr>
+          <p:cNvPr id="3" name="Content Placeholder 2"/>
+          <p:cNvSpPr>
+            <a:spLocks noGrp="1"/>
+          </p:cNvSpPr>
+          <p:nvPr>
+            <p:ph idx="1"/>
+          </p:nvPr>
+        </p:nvSpPr>
+        <p:spPr/>
+        <p:txBody>
+          <a:bodyPr/>
+          <a:lstStyle/>
+          <a:p>
+            <a:r>
+              <a:rPr lang="en-GB" dirty="0" smtClean="0"/>
+              <a:t>This is the architecture design pattern in which every I/O, processing files, functions is represented as an object which allows for breakdown of code / processes in which objects are only called when required.</a:t>
+            </a:r>
+          </a:p>
+          <a:p>
+            <a:endParaRPr lang="en-GB" dirty="0"/>
+          </a:p>
+          <a:p>
+            <a:endParaRPr lang="en-GB" dirty="0"/>
+          </a:p>
+        </p:txBody>
+      </p:sp>
+    </p:spTree>
+    <p:extLst>
+      <p:ext uri="{BB962C8B-B14F-4D97-AF65-F5344CB8AC3E}">
+        <p14:creationId xmlns:p14="http://schemas.microsoft.com/office/powerpoint/2010/main" val="3340995768"/>
       </p:ext>
     </p:extLst>
   </p:cSld>
